--- a/Presentation2.pptx
+++ b/Presentation2.pptx
@@ -114,6 +114,11 @@
       </a:defRPr>
     </a:lvl9pPr>
   </p:defaultTextStyle>
+  <p:extLst>
+    <p:ext uri="{EFAFB233-063F-42B5-8137-9DF3F51BA10A}">
+      <p15:sldGuideLst xmlns:p15="http://schemas.microsoft.com/office/powerpoint/2012/main"/>
+    </p:ext>
+  </p:extLst>
 </p:presentation>
 </file>
 
@@ -266,7 +271,7 @@
           <a:p>
             <a:fld id="{3D522B37-B14A-B74E-A9E3-8B018FA42DDB}" type="datetimeFigureOut">
               <a:rPr lang="en-DK" smtClean="0"/>
-              <a:t>08/01/2024</a:t>
+              <a:t>09/01/2024</a:t>
             </a:fld>
             <a:endParaRPr lang="en-DK"/>
           </a:p>
@@ -466,7 +471,7 @@
           <a:p>
             <a:fld id="{3D522B37-B14A-B74E-A9E3-8B018FA42DDB}" type="datetimeFigureOut">
               <a:rPr lang="en-DK" smtClean="0"/>
-              <a:t>08/01/2024</a:t>
+              <a:t>09/01/2024</a:t>
             </a:fld>
             <a:endParaRPr lang="en-DK"/>
           </a:p>
@@ -676,7 +681,7 @@
           <a:p>
             <a:fld id="{3D522B37-B14A-B74E-A9E3-8B018FA42DDB}" type="datetimeFigureOut">
               <a:rPr lang="en-DK" smtClean="0"/>
-              <a:t>08/01/2024</a:t>
+              <a:t>09/01/2024</a:t>
             </a:fld>
             <a:endParaRPr lang="en-DK"/>
           </a:p>
@@ -876,7 +881,7 @@
           <a:p>
             <a:fld id="{3D522B37-B14A-B74E-A9E3-8B018FA42DDB}" type="datetimeFigureOut">
               <a:rPr lang="en-DK" smtClean="0"/>
-              <a:t>08/01/2024</a:t>
+              <a:t>09/01/2024</a:t>
             </a:fld>
             <a:endParaRPr lang="en-DK"/>
           </a:p>
@@ -1152,7 +1157,7 @@
           <a:p>
             <a:fld id="{3D522B37-B14A-B74E-A9E3-8B018FA42DDB}" type="datetimeFigureOut">
               <a:rPr lang="en-DK" smtClean="0"/>
-              <a:t>08/01/2024</a:t>
+              <a:t>09/01/2024</a:t>
             </a:fld>
             <a:endParaRPr lang="en-DK"/>
           </a:p>
@@ -1420,7 +1425,7 @@
           <a:p>
             <a:fld id="{3D522B37-B14A-B74E-A9E3-8B018FA42DDB}" type="datetimeFigureOut">
               <a:rPr lang="en-DK" smtClean="0"/>
-              <a:t>08/01/2024</a:t>
+              <a:t>09/01/2024</a:t>
             </a:fld>
             <a:endParaRPr lang="en-DK"/>
           </a:p>
@@ -1835,7 +1840,7 @@
           <a:p>
             <a:fld id="{3D522B37-B14A-B74E-A9E3-8B018FA42DDB}" type="datetimeFigureOut">
               <a:rPr lang="en-DK" smtClean="0"/>
-              <a:t>08/01/2024</a:t>
+              <a:t>09/01/2024</a:t>
             </a:fld>
             <a:endParaRPr lang="en-DK"/>
           </a:p>
@@ -1977,7 +1982,7 @@
           <a:p>
             <a:fld id="{3D522B37-B14A-B74E-A9E3-8B018FA42DDB}" type="datetimeFigureOut">
               <a:rPr lang="en-DK" smtClean="0"/>
-              <a:t>08/01/2024</a:t>
+              <a:t>09/01/2024</a:t>
             </a:fld>
             <a:endParaRPr lang="en-DK"/>
           </a:p>
@@ -2090,7 +2095,7 @@
           <a:p>
             <a:fld id="{3D522B37-B14A-B74E-A9E3-8B018FA42DDB}" type="datetimeFigureOut">
               <a:rPr lang="en-DK" smtClean="0"/>
-              <a:t>08/01/2024</a:t>
+              <a:t>09/01/2024</a:t>
             </a:fld>
             <a:endParaRPr lang="en-DK"/>
           </a:p>
@@ -2403,7 +2408,7 @@
           <a:p>
             <a:fld id="{3D522B37-B14A-B74E-A9E3-8B018FA42DDB}" type="datetimeFigureOut">
               <a:rPr lang="en-DK" smtClean="0"/>
-              <a:t>08/01/2024</a:t>
+              <a:t>09/01/2024</a:t>
             </a:fld>
             <a:endParaRPr lang="en-DK"/>
           </a:p>
@@ -2692,7 +2697,7 @@
           <a:p>
             <a:fld id="{3D522B37-B14A-B74E-A9E3-8B018FA42DDB}" type="datetimeFigureOut">
               <a:rPr lang="en-DK" smtClean="0"/>
-              <a:t>08/01/2024</a:t>
+              <a:t>09/01/2024</a:t>
             </a:fld>
             <a:endParaRPr lang="en-DK"/>
           </a:p>
@@ -2935,7 +2940,7 @@
           <a:p>
             <a:fld id="{3D522B37-B14A-B74E-A9E3-8B018FA42DDB}" type="datetimeFigureOut">
               <a:rPr lang="en-DK" smtClean="0"/>
-              <a:t>08/01/2024</a:t>
+              <a:t>09/01/2024</a:t>
             </a:fld>
             <a:endParaRPr lang="en-DK"/>
           </a:p>
@@ -5596,6 +5601,51 @@
           </a:p>
         </p:txBody>
       </p:sp>
+      <p:pic>
+        <p:nvPicPr>
+          <p:cNvPr id="1026" name="Picture 2" descr="Figure 1">
+            <a:extLst>
+              <a:ext uri="{FF2B5EF4-FFF2-40B4-BE49-F238E27FC236}">
+                <a16:creationId xmlns:a16="http://schemas.microsoft.com/office/drawing/2014/main" id="{33CC1D52-939D-C16F-EF67-5D43A4D8A1BA}"/>
+              </a:ext>
+            </a:extLst>
+          </p:cNvPr>
+          <p:cNvPicPr>
+            <a:picLocks noChangeAspect="1" noChangeArrowheads="1"/>
+          </p:cNvPicPr>
+          <p:nvPr/>
+        </p:nvPicPr>
+        <p:blipFill rotWithShape="1">
+          <a:blip r:embed="rId7">
+            <a:extLst>
+              <a:ext uri="{28A0092B-C50C-407E-A947-70E740481C1C}">
+                <a14:useLocalDpi xmlns:a14="http://schemas.microsoft.com/office/drawing/2010/main" val="0"/>
+              </a:ext>
+            </a:extLst>
+          </a:blip>
+          <a:srcRect b="68070"/>
+          <a:stretch/>
+        </p:blipFill>
+        <p:spPr bwMode="auto">
+          <a:xfrm>
+            <a:off x="3390900" y="4032479"/>
+            <a:ext cx="5410200" cy="2027561"/>
+          </a:xfrm>
+          <a:prstGeom prst="rect">
+            <a:avLst/>
+          </a:prstGeom>
+          <a:noFill/>
+          <a:extLst>
+            <a:ext uri="{909E8E84-426E-40DD-AFC4-6F175D3DCCD1}">
+              <a14:hiddenFill xmlns:a14="http://schemas.microsoft.com/office/drawing/2010/main">
+                <a:solidFill>
+                  <a:srgbClr val="FFFFFF"/>
+                </a:solidFill>
+              </a14:hiddenFill>
+            </a:ext>
+          </a:extLst>
+        </p:spPr>
+      </p:pic>
     </p:spTree>
     <p:extLst>
       <p:ext uri="{BB962C8B-B14F-4D97-AF65-F5344CB8AC3E}">
